--- a/contents/동물서바이벌/탕탕특공대 역기획서.pptx
+++ b/contents/동물서바이벌/탕탕특공대 역기획서.pptx
@@ -230,7 +230,7 @@
           <a:p>
             <a:fld id="{1D8BD707-D9CF-40AE-B4C6-C98DA3205C09}" type="datetimeFigureOut">
               <a:rPr lang="en-US"/>
-              <a:t>5/20/2024</a:t>
+              <a:t>6/24/2024</a:t>
             </a:fld>
             <a:endParaRPr lang="en-US"/>
           </a:p>
@@ -349,7 +349,7 @@
           <a:p>
             <a:fld id="{1D8BD707-D9CF-40AE-B4C6-C98DA3205C09}" type="datetimeFigureOut">
               <a:rPr lang="en-US"/>
-              <a:t>5/20/2024</a:t>
+              <a:t>6/24/2024</a:t>
             </a:fld>
             <a:endParaRPr lang="en-US"/>
           </a:p>
@@ -559,7 +559,7 @@
           <a:p>
             <a:fld id="{1D8BD707-D9CF-40AE-B4C6-C98DA3205C09}" type="datetimeFigureOut">
               <a:rPr lang="en-US"/>
-              <a:t>5/20/2024</a:t>
+              <a:t>6/24/2024</a:t>
             </a:fld>
             <a:endParaRPr lang="en-US"/>
           </a:p>
@@ -807,7 +807,7 @@
           <a:p>
             <a:fld id="{1D8BD707-D9CF-40AE-B4C6-C98DA3205C09}" type="datetimeFigureOut">
               <a:rPr lang="en-US"/>
-              <a:t>5/20/2024</a:t>
+              <a:t>6/24/2024</a:t>
             </a:fld>
             <a:endParaRPr lang="en-US"/>
           </a:p>
@@ -989,7 +989,7 @@
           <a:p>
             <a:fld id="{1D8BD707-D9CF-40AE-B4C6-C98DA3205C09}" type="datetimeFigureOut">
               <a:rPr lang="en-US"/>
-              <a:t>5/20/2024</a:t>
+              <a:t>6/24/2024</a:t>
             </a:fld>
             <a:endParaRPr lang="en-US"/>
           </a:p>
@@ -1142,7 +1142,7 @@
           <a:p>
             <a:fld id="{1D8BD707-D9CF-40AE-B4C6-C98DA3205C09}" type="datetimeFigureOut">
               <a:rPr lang="en-US"/>
-              <a:t>5/20/2024</a:t>
+              <a:t>6/24/2024</a:t>
             </a:fld>
             <a:endParaRPr lang="en-US"/>
           </a:p>
@@ -1339,7 +1339,7 @@
           <a:p>
             <a:fld id="{1D8BD707-D9CF-40AE-B4C6-C98DA3205C09}" type="datetimeFigureOut">
               <a:rPr lang="en-US"/>
-              <a:t>5/20/2024</a:t>
+              <a:t>6/24/2024</a:t>
             </a:fld>
             <a:endParaRPr lang="en-US"/>
           </a:p>
@@ -1521,7 +1521,7 @@
           <a:p>
             <a:fld id="{1D8BD707-D9CF-40AE-B4C6-C98DA3205C09}" type="datetimeFigureOut">
               <a:rPr lang="en-US"/>
-              <a:t>5/20/2024</a:t>
+              <a:t>6/24/2024</a:t>
             </a:fld>
             <a:endParaRPr lang="en-US"/>
           </a:p>
@@ -1740,7 +1740,7 @@
           <a:p>
             <a:fld id="{1D8BD707-D9CF-40AE-B4C6-C98DA3205C09}" type="datetimeFigureOut">
               <a:rPr lang="en-US"/>
-              <a:t>5/20/2024</a:t>
+              <a:t>6/24/2024</a:t>
             </a:fld>
             <a:endParaRPr lang="en-US"/>
           </a:p>
@@ -1893,7 +1893,7 @@
           <a:p>
             <a:fld id="{1D8BD707-D9CF-40AE-B4C6-C98DA3205C09}" type="datetimeFigureOut">
               <a:rPr lang="en-US"/>
-              <a:t>5/20/2024</a:t>
+              <a:t>6/24/2024</a:t>
             </a:fld>
             <a:endParaRPr lang="en-US"/>
           </a:p>
@@ -2201,7 +2201,7 @@
           <a:p>
             <a:fld id="{1D8BD707-D9CF-40AE-B4C6-C98DA3205C09}" type="datetimeFigureOut">
               <a:rPr lang="en-US"/>
-              <a:t>5/20/2024</a:t>
+              <a:t>6/24/2024</a:t>
             </a:fld>
             <a:endParaRPr lang="en-US"/>
           </a:p>
@@ -2582,7 +2582,7 @@
           <a:p>
             <a:fld id="{1D8BD707-D9CF-40AE-B4C6-C98DA3205C09}" type="datetimeFigureOut">
               <a:rPr lang="en-US"/>
-              <a:t>5/20/2024</a:t>
+              <a:t>6/24/2024</a:t>
             </a:fld>
             <a:endParaRPr lang="en-US"/>
           </a:p>
@@ -12694,7 +12694,11 @@
             <a:prstGeom prst="roundRect">
               <a:avLst/>
             </a:prstGeom>
-            <a:noFill/>
+            <a:solidFill>
+              <a:schemeClr val="bg1">
+                <a:lumMod val="95000"/>
+              </a:schemeClr>
+            </a:solidFill>
             <a:ln w="9525" cap="flat" cmpd="sng" algn="ctr">
               <a:solidFill>
                 <a:schemeClr val="accent1"/>
@@ -12724,7 +12728,7 @@
             <a:lstStyle/>
             <a:p>
               <a:pPr algn="ctr"/>
-              <a:endParaRPr lang="ko-KR" altLang="en-US"/>
+              <a:endParaRPr lang="ko-KR" altLang="en-US" dirty="0"/>
             </a:p>
           </p:txBody>
         </p:sp>
